--- a/DOC/PPT/ApresentaçãoV2.pptx
+++ b/DOC/PPT/ApresentaçãoV2.pptx
@@ -5,44 +5,45 @@
     <p:sldMasterId id="2147483666" r:id="rId1"/>
   </p:sldMasterIdLst>
   <p:notesMasterIdLst>
-    <p:notesMasterId r:id="rId15"/>
+    <p:notesMasterId r:id="rId16"/>
   </p:notesMasterIdLst>
   <p:sldIdLst>
     <p:sldId id="256" r:id="rId2"/>
     <p:sldId id="304" r:id="rId3"/>
     <p:sldId id="257" r:id="rId4"/>
     <p:sldId id="259" r:id="rId5"/>
-    <p:sldId id="296" r:id="rId6"/>
-    <p:sldId id="294" r:id="rId7"/>
-    <p:sldId id="295" r:id="rId8"/>
+    <p:sldId id="294" r:id="rId6"/>
+    <p:sldId id="295" r:id="rId7"/>
+    <p:sldId id="296" r:id="rId8"/>
     <p:sldId id="299" r:id="rId9"/>
     <p:sldId id="300" r:id="rId10"/>
     <p:sldId id="303" r:id="rId11"/>
     <p:sldId id="297" r:id="rId12"/>
     <p:sldId id="298" r:id="rId13"/>
     <p:sldId id="302" r:id="rId14"/>
+    <p:sldId id="305" r:id="rId15"/>
   </p:sldIdLst>
   <p:sldSz cx="9144000" cy="5143500" type="screen16x9"/>
   <p:notesSz cx="6858000" cy="9144000"/>
   <p:embeddedFontLst>
     <p:embeddedFont>
       <p:font typeface="Roboto Black" panose="02000000000000000000" pitchFamily="2" charset="0"/>
-      <p:bold r:id="rId16"/>
-      <p:boldItalic r:id="rId17"/>
+      <p:bold r:id="rId17"/>
+      <p:boldItalic r:id="rId18"/>
     </p:embeddedFont>
     <p:embeddedFont>
       <p:font typeface="Roboto Light" panose="02000000000000000000" pitchFamily="2" charset="0"/>
-      <p:regular r:id="rId18"/>
-      <p:bold r:id="rId19"/>
-      <p:italic r:id="rId20"/>
-      <p:boldItalic r:id="rId21"/>
+      <p:regular r:id="rId19"/>
+      <p:bold r:id="rId20"/>
+      <p:italic r:id="rId21"/>
+      <p:boldItalic r:id="rId22"/>
     </p:embeddedFont>
     <p:embeddedFont>
       <p:font typeface="Times" panose="02020603050405020304" pitchFamily="18" charset="0"/>
-      <p:regular r:id="rId22"/>
-      <p:bold r:id="rId23"/>
-      <p:italic r:id="rId24"/>
-      <p:boldItalic r:id="rId25"/>
+      <p:regular r:id="rId23"/>
+      <p:bold r:id="rId24"/>
+      <p:italic r:id="rId25"/>
+      <p:boldItalic r:id="rId26"/>
     </p:embeddedFont>
   </p:embeddedFontLst>
   <p:defaultTextStyle>
@@ -1820,6 +1821,115 @@
 </p:notes>
 </file>
 
+<file path=ppt/notesSlides/notesSlide14.xml><?xml version="1.0" encoding="utf-8"?>
+<p:notes xmlns:a="http://schemas.openxmlformats.org/drawingml/2006/main" xmlns:r="http://schemas.openxmlformats.org/officeDocument/2006/relationships" xmlns:p="http://schemas.openxmlformats.org/presentationml/2006/main" showMasterSp="0" showMasterPhAnim="0">
+  <p:cSld>
+    <p:spTree>
+      <p:nvGrpSpPr>
+        <p:cNvPr id="1" name="Shape 271"/>
+        <p:cNvGrpSpPr/>
+        <p:nvPr/>
+      </p:nvGrpSpPr>
+      <p:grpSpPr>
+        <a:xfrm>
+          <a:off x="0" y="0"/>
+          <a:ext cx="0" cy="0"/>
+          <a:chOff x="0" y="0"/>
+          <a:chExt cx="0" cy="0"/>
+        </a:xfrm>
+      </p:grpSpPr>
+      <p:sp>
+        <p:nvSpPr>
+          <p:cNvPr id="272" name="Google Shape;272;g5c99e1ede3_0_113:notes"/>
+          <p:cNvSpPr>
+            <a:spLocks noGrp="1" noRot="1" noChangeAspect="1"/>
+          </p:cNvSpPr>
+          <p:nvPr>
+            <p:ph type="sldImg" idx="2"/>
+          </p:nvPr>
+        </p:nvSpPr>
+        <p:spPr>
+          <a:xfrm>
+            <a:off x="381000" y="685800"/>
+            <a:ext cx="6096000" cy="3429000"/>
+          </a:xfrm>
+          <a:custGeom>
+            <a:avLst/>
+            <a:gdLst/>
+            <a:ahLst/>
+            <a:cxnLst/>
+            <a:rect l="l" t="t" r="r" b="b"/>
+            <a:pathLst>
+              <a:path w="120000" h="120000" extrusionOk="0">
+                <a:moveTo>
+                  <a:pt x="0" y="0"/>
+                </a:moveTo>
+                <a:lnTo>
+                  <a:pt x="120000" y="0"/>
+                </a:lnTo>
+                <a:lnTo>
+                  <a:pt x="120000" y="120000"/>
+                </a:lnTo>
+                <a:lnTo>
+                  <a:pt x="0" y="120000"/>
+                </a:lnTo>
+                <a:close/>
+              </a:path>
+            </a:pathLst>
+          </a:custGeom>
+        </p:spPr>
+      </p:sp>
+      <p:sp>
+        <p:nvSpPr>
+          <p:cNvPr id="273" name="Google Shape;273;g5c99e1ede3_0_113:notes"/>
+          <p:cNvSpPr txBox="1">
+            <a:spLocks noGrp="1"/>
+          </p:cNvSpPr>
+          <p:nvPr>
+            <p:ph type="body" idx="1"/>
+          </p:nvPr>
+        </p:nvSpPr>
+        <p:spPr>
+          <a:xfrm>
+            <a:off x="685800" y="4343400"/>
+            <a:ext cx="5486400" cy="4114800"/>
+          </a:xfrm>
+          <a:prstGeom prst="rect">
+            <a:avLst/>
+          </a:prstGeom>
+        </p:spPr>
+        <p:txBody>
+          <a:bodyPr spcFirstLastPara="1" wrap="square" lIns="91425" tIns="91425" rIns="91425" bIns="91425" anchor="t" anchorCtr="0">
+            <a:noAutofit/>
+          </a:bodyPr>
+          <a:lstStyle/>
+          <a:p>
+            <a:pPr marL="0" lvl="0" indent="0" algn="l" rtl="0">
+              <a:spcBef>
+                <a:spcPts val="0"/>
+              </a:spcBef>
+              <a:spcAft>
+                <a:spcPts val="0"/>
+              </a:spcAft>
+              <a:buNone/>
+            </a:pPr>
+            <a:endParaRPr dirty="0"/>
+          </a:p>
+        </p:txBody>
+      </p:sp>
+    </p:spTree>
+    <p:extLst>
+      <p:ext uri="{BB962C8B-B14F-4D97-AF65-F5344CB8AC3E}">
+        <p14:creationId xmlns:p14="http://schemas.microsoft.com/office/powerpoint/2010/main" val="1331370739"/>
+      </p:ext>
+    </p:extLst>
+  </p:cSld>
+  <p:clrMapOvr>
+    <a:masterClrMapping/>
+  </p:clrMapOvr>
+</p:notes>
+</file>
+
 <file path=ppt/notesSlides/notesSlide2.xml><?xml version="1.0" encoding="utf-8"?>
 <p:notes xmlns:a="http://schemas.openxmlformats.org/drawingml/2006/main" xmlns:r="http://schemas.openxmlformats.org/officeDocument/2006/relationships" xmlns:p="http://schemas.openxmlformats.org/presentationml/2006/main" showMasterSp="0" showMasterPhAnim="0">
   <p:cSld>
@@ -2236,7 +2346,7 @@
     </p:spTree>
     <p:extLst>
       <p:ext uri="{BB962C8B-B14F-4D97-AF65-F5344CB8AC3E}">
-        <p14:creationId xmlns:p14="http://schemas.microsoft.com/office/powerpoint/2010/main" val="1426487539"/>
+        <p14:creationId xmlns:p14="http://schemas.microsoft.com/office/powerpoint/2010/main" val="736991881"/>
       </p:ext>
     </p:extLst>
   </p:cSld>
@@ -2345,7 +2455,7 @@
     </p:spTree>
     <p:extLst>
       <p:ext uri="{BB962C8B-B14F-4D97-AF65-F5344CB8AC3E}">
-        <p14:creationId xmlns:p14="http://schemas.microsoft.com/office/powerpoint/2010/main" val="736991881"/>
+        <p14:creationId xmlns:p14="http://schemas.microsoft.com/office/powerpoint/2010/main" val="532306361"/>
       </p:ext>
     </p:extLst>
   </p:cSld>
@@ -2454,7 +2564,7 @@
     </p:spTree>
     <p:extLst>
       <p:ext uri="{BB962C8B-B14F-4D97-AF65-F5344CB8AC3E}">
-        <p14:creationId xmlns:p14="http://schemas.microsoft.com/office/powerpoint/2010/main" val="532306361"/>
+        <p14:creationId xmlns:p14="http://schemas.microsoft.com/office/powerpoint/2010/main" val="1426487539"/>
       </p:ext>
     </p:extLst>
   </p:cSld>
@@ -10471,7 +10581,7 @@
         </p:nvSpPr>
         <p:spPr>
           <a:xfrm>
-            <a:off x="5163596" y="3557067"/>
+            <a:off x="5120504" y="3255422"/>
             <a:ext cx="3798668" cy="606600"/>
           </a:xfrm>
           <a:prstGeom prst="rect">
@@ -20328,6 +20438,263 @@
                 <a:buNone/>
               </a:pPr>
               <a:endParaRPr dirty="0"/>
+            </a:p>
+          </p:txBody>
+        </p:sp>
+      </p:grpSp>
+      <p:grpSp>
+        <p:nvGrpSpPr>
+          <p:cNvPr id="10" name="Agrupar 9">
+            <a:extLst>
+              <a:ext uri="{FF2B5EF4-FFF2-40B4-BE49-F238E27FC236}">
+                <a16:creationId xmlns:a16="http://schemas.microsoft.com/office/drawing/2014/main" id="{4C5A8A5B-D59C-6879-FED3-55F3188D0960}"/>
+              </a:ext>
+            </a:extLst>
+          </p:cNvPr>
+          <p:cNvGrpSpPr/>
+          <p:nvPr/>
+        </p:nvGrpSpPr>
+        <p:grpSpPr>
+          <a:xfrm>
+            <a:off x="5340148" y="3624546"/>
+            <a:ext cx="398506" cy="471881"/>
+            <a:chOff x="5497900" y="2616142"/>
+            <a:chExt cx="673145" cy="797088"/>
+          </a:xfrm>
+        </p:grpSpPr>
+        <p:sp>
+          <p:nvSpPr>
+            <p:cNvPr id="9" name="Retângulo 8">
+              <a:extLst>
+                <a:ext uri="{FF2B5EF4-FFF2-40B4-BE49-F238E27FC236}">
+                  <a16:creationId xmlns:a16="http://schemas.microsoft.com/office/drawing/2014/main" id="{452FE4BC-0DA5-2037-69AF-C40D428F57AC}"/>
+                </a:ext>
+              </a:extLst>
+            </p:cNvPr>
+            <p:cNvSpPr/>
+            <p:nvPr/>
+          </p:nvSpPr>
+          <p:spPr>
+            <a:xfrm>
+              <a:off x="5497900" y="2616142"/>
+              <a:ext cx="673145" cy="797088"/>
+            </a:xfrm>
+            <a:prstGeom prst="rect">
+              <a:avLst/>
+            </a:prstGeom>
+            <a:ln>
+              <a:solidFill>
+                <a:schemeClr val="accent1"/>
+              </a:solidFill>
+            </a:ln>
+          </p:spPr>
+          <p:style>
+            <a:lnRef idx="2">
+              <a:schemeClr val="accent1">
+                <a:shade val="15000"/>
+              </a:schemeClr>
+            </a:lnRef>
+            <a:fillRef idx="1">
+              <a:schemeClr val="accent1"/>
+            </a:fillRef>
+            <a:effectRef idx="0">
+              <a:schemeClr val="accent1"/>
+            </a:effectRef>
+            <a:fontRef idx="minor">
+              <a:schemeClr val="lt1"/>
+            </a:fontRef>
+          </p:style>
+          <p:txBody>
+            <a:bodyPr rtlCol="0" anchor="ctr"/>
+            <a:lstStyle/>
+            <a:p>
+              <a:pPr algn="ctr"/>
+              <a:endParaRPr lang="pt-BR"/>
+            </a:p>
+          </p:txBody>
+        </p:sp>
+        <p:pic>
+          <p:nvPicPr>
+            <p:cNvPr id="8" name="Gráfico 7">
+              <a:extLst>
+                <a:ext uri="{FF2B5EF4-FFF2-40B4-BE49-F238E27FC236}">
+                  <a16:creationId xmlns:a16="http://schemas.microsoft.com/office/drawing/2014/main" id="{5D947419-D7F4-E060-B803-43546AED84E9}"/>
+                </a:ext>
+              </a:extLst>
+            </p:cNvPr>
+            <p:cNvPicPr>
+              <a:picLocks noChangeAspect="1"/>
+            </p:cNvPicPr>
+            <p:nvPr/>
+          </p:nvPicPr>
+          <p:blipFill>
+            <a:blip r:embed="rId3">
+              <a:extLst>
+                <a:ext uri="{96DAC541-7B7A-43D3-8B79-37D633B846F1}">
+                  <asvg:svgBlip xmlns:asvg="http://schemas.microsoft.com/office/drawing/2016/SVG/main" r:embed="rId4"/>
+                </a:ext>
+              </a:extLst>
+            </a:blip>
+            <a:stretch>
+              <a:fillRect/>
+            </a:stretch>
+          </p:blipFill>
+          <p:spPr>
+            <a:xfrm>
+              <a:off x="5518054" y="2655740"/>
+              <a:ext cx="646317" cy="724414"/>
+            </a:xfrm>
+            <a:prstGeom prst="rect">
+              <a:avLst/>
+            </a:prstGeom>
+          </p:spPr>
+        </p:pic>
+      </p:grpSp>
+      <p:grpSp>
+        <p:nvGrpSpPr>
+          <p:cNvPr id="21" name="Agrupar 20">
+            <a:extLst>
+              <a:ext uri="{FF2B5EF4-FFF2-40B4-BE49-F238E27FC236}">
+                <a16:creationId xmlns:a16="http://schemas.microsoft.com/office/drawing/2014/main" id="{11A98781-89EA-C520-F30B-B4D1B5888ADC}"/>
+              </a:ext>
+            </a:extLst>
+          </p:cNvPr>
+          <p:cNvGrpSpPr/>
+          <p:nvPr/>
+        </p:nvGrpSpPr>
+        <p:grpSpPr>
+          <a:xfrm>
+            <a:off x="5773187" y="3539665"/>
+            <a:ext cx="3237811" cy="623295"/>
+            <a:chOff x="5787183" y="2609689"/>
+            <a:chExt cx="3237811" cy="623295"/>
+          </a:xfrm>
+        </p:grpSpPr>
+        <p:sp>
+          <p:nvSpPr>
+            <p:cNvPr id="12" name="CaixaDeTexto 11">
+              <a:extLst>
+                <a:ext uri="{FF2B5EF4-FFF2-40B4-BE49-F238E27FC236}">
+                  <a16:creationId xmlns:a16="http://schemas.microsoft.com/office/drawing/2014/main" id="{7643BBDF-6B61-0C8C-585C-19CADC4B6645}"/>
+                </a:ext>
+              </a:extLst>
+            </p:cNvPr>
+            <p:cNvSpPr txBox="1"/>
+            <p:nvPr/>
+          </p:nvSpPr>
+          <p:spPr>
+            <a:xfrm>
+              <a:off x="5787183" y="2819793"/>
+              <a:ext cx="3205329" cy="246221"/>
+            </a:xfrm>
+            <a:prstGeom prst="rect">
+              <a:avLst/>
+            </a:prstGeom>
+            <a:noFill/>
+          </p:spPr>
+          <p:txBody>
+            <a:bodyPr wrap="square">
+              <a:spAutoFit/>
+            </a:bodyPr>
+            <a:lstStyle/>
+            <a:p>
+              <a:r>
+                <a:rPr lang="pt-BR" sz="1000" dirty="0">
+                  <a:solidFill>
+                    <a:schemeClr val="accent1"/>
+                  </a:solidFill>
+                  <a:latin typeface="Roboto Black"/>
+                  <a:ea typeface="Roboto Black"/>
+                  <a:cs typeface="Roboto Black"/>
+                </a:rPr>
+                <a:t>Engenharia e Adm. de Sistemas de Banco de Dados</a:t>
+              </a:r>
+            </a:p>
+          </p:txBody>
+        </p:sp>
+        <p:sp>
+          <p:nvSpPr>
+            <p:cNvPr id="14" name="CaixaDeTexto 13">
+              <a:extLst>
+                <a:ext uri="{FF2B5EF4-FFF2-40B4-BE49-F238E27FC236}">
+                  <a16:creationId xmlns:a16="http://schemas.microsoft.com/office/drawing/2014/main" id="{E378CCF2-7C06-1995-E18C-585048E52B50}"/>
+                </a:ext>
+              </a:extLst>
+            </p:cNvPr>
+            <p:cNvSpPr txBox="1"/>
+            <p:nvPr/>
+          </p:nvSpPr>
+          <p:spPr>
+            <a:xfrm>
+              <a:off x="5937724" y="2609689"/>
+              <a:ext cx="2904245" cy="276999"/>
+            </a:xfrm>
+            <a:prstGeom prst="rect">
+              <a:avLst/>
+            </a:prstGeom>
+            <a:noFill/>
+          </p:spPr>
+          <p:txBody>
+            <a:bodyPr wrap="square">
+              <a:spAutoFit/>
+            </a:bodyPr>
+            <a:lstStyle/>
+            <a:p>
+              <a:pPr algn="ctr"/>
+              <a:r>
+                <a:rPr lang="pt-BR" sz="1200" dirty="0">
+                  <a:solidFill>
+                    <a:schemeClr val="accent1"/>
+                  </a:solidFill>
+                  <a:latin typeface="Roboto Black"/>
+                  <a:ea typeface="Roboto Black"/>
+                  <a:cs typeface="Roboto Black"/>
+                  <a:sym typeface="Roboto Black"/>
+                </a:rPr>
+                <a:t>Faculdade de Tecnologia - UNICAMP</a:t>
+              </a:r>
+            </a:p>
+          </p:txBody>
+        </p:sp>
+        <p:sp>
+          <p:nvSpPr>
+            <p:cNvPr id="20" name="CaixaDeTexto 19">
+              <a:extLst>
+                <a:ext uri="{FF2B5EF4-FFF2-40B4-BE49-F238E27FC236}">
+                  <a16:creationId xmlns:a16="http://schemas.microsoft.com/office/drawing/2014/main" id="{C6B31E3F-A7ED-2281-7842-C04DE51C6FB7}"/>
+                </a:ext>
+              </a:extLst>
+            </p:cNvPr>
+            <p:cNvSpPr txBox="1"/>
+            <p:nvPr/>
+          </p:nvSpPr>
+          <p:spPr>
+            <a:xfrm>
+              <a:off x="6328745" y="2986763"/>
+              <a:ext cx="2696249" cy="246221"/>
+            </a:xfrm>
+            <a:prstGeom prst="rect">
+              <a:avLst/>
+            </a:prstGeom>
+            <a:noFill/>
+          </p:spPr>
+          <p:txBody>
+            <a:bodyPr wrap="square">
+              <a:spAutoFit/>
+            </a:bodyPr>
+            <a:lstStyle/>
+            <a:p>
+              <a:r>
+                <a:rPr lang="pt-BR" sz="1000" dirty="0">
+                  <a:solidFill>
+                    <a:schemeClr val="accent1"/>
+                  </a:solidFill>
+                  <a:latin typeface="Roboto Black"/>
+                  <a:ea typeface="Roboto Black"/>
+                  <a:cs typeface="Roboto Black"/>
+                </a:rPr>
+                <a:t>CET 0611 - Mineração de Dados</a:t>
+              </a:r>
             </a:p>
           </p:txBody>
         </p:sp>
@@ -20761,8 +21128,8 @@
         </p:blipFill>
         <p:spPr bwMode="auto">
           <a:xfrm>
-            <a:off x="1987800" y="1251150"/>
-            <a:ext cx="4667250" cy="3819525"/>
+            <a:off x="4839913" y="1524928"/>
+            <a:ext cx="4049587" cy="3314050"/>
           </a:xfrm>
           <a:prstGeom prst="rect">
             <a:avLst/>
@@ -20790,6 +21157,36 @@
               </a14:hiddenLine>
             </a:ext>
           </a:extLst>
+        </p:spPr>
+      </p:pic>
+      <p:pic>
+        <p:nvPicPr>
+          <p:cNvPr id="3" name="Imagem 2">
+            <a:extLst>
+              <a:ext uri="{FF2B5EF4-FFF2-40B4-BE49-F238E27FC236}">
+                <a16:creationId xmlns:a16="http://schemas.microsoft.com/office/drawing/2014/main" id="{5F7E98BC-4289-069F-F71A-C50CE0A132A8}"/>
+              </a:ext>
+            </a:extLst>
+          </p:cNvPr>
+          <p:cNvPicPr>
+            <a:picLocks noChangeAspect="1"/>
+          </p:cNvPicPr>
+          <p:nvPr/>
+        </p:nvPicPr>
+        <p:blipFill>
+          <a:blip r:embed="rId4"/>
+          <a:stretch>
+            <a:fillRect/>
+          </a:stretch>
+        </p:blipFill>
+        <p:spPr>
+          <a:xfrm>
+            <a:off x="254499" y="1513887"/>
+            <a:ext cx="4049587" cy="3325091"/>
+          </a:xfrm>
+          <a:prstGeom prst="rect">
+            <a:avLst/>
+          </a:prstGeom>
         </p:spPr>
       </p:pic>
     </p:spTree>
@@ -21141,6 +21538,220 @@
 </p:sld>
 </file>
 
+<file path=ppt/slides/slide14.xml><?xml version="1.0" encoding="utf-8"?>
+<p:sld xmlns:a="http://schemas.openxmlformats.org/drawingml/2006/main" xmlns:r="http://schemas.openxmlformats.org/officeDocument/2006/relationships" xmlns:p="http://schemas.openxmlformats.org/presentationml/2006/main">
+  <p:cSld>
+    <p:spTree>
+      <p:nvGrpSpPr>
+        <p:cNvPr id="1" name="Shape 274"/>
+        <p:cNvGrpSpPr/>
+        <p:nvPr/>
+      </p:nvGrpSpPr>
+      <p:grpSpPr>
+        <a:xfrm>
+          <a:off x="0" y="0"/>
+          <a:ext cx="0" cy="0"/>
+          <a:chOff x="0" y="0"/>
+          <a:chExt cx="0" cy="0"/>
+        </a:xfrm>
+      </p:grpSpPr>
+      <p:sp>
+        <p:nvSpPr>
+          <p:cNvPr id="275" name="Google Shape;275;p25"/>
+          <p:cNvSpPr txBox="1">
+            <a:spLocks noGrp="1"/>
+          </p:cNvSpPr>
+          <p:nvPr>
+            <p:ph type="ctrTitle" idx="6"/>
+          </p:nvPr>
+        </p:nvSpPr>
+        <p:spPr>
+          <a:xfrm>
+            <a:off x="311700" y="663817"/>
+            <a:ext cx="8520600" cy="606600"/>
+          </a:xfrm>
+          <a:prstGeom prst="rect">
+            <a:avLst/>
+          </a:prstGeom>
+        </p:spPr>
+        <p:txBody>
+          <a:bodyPr spcFirstLastPara="1" wrap="square" lIns="91425" tIns="91425" rIns="91425" bIns="91425" anchor="b" anchorCtr="0">
+            <a:noAutofit/>
+          </a:bodyPr>
+          <a:lstStyle/>
+          <a:p>
+            <a:pPr marL="0" lvl="0" indent="0" algn="ctr" rtl="0">
+              <a:spcBef>
+                <a:spcPts val="0"/>
+              </a:spcBef>
+              <a:spcAft>
+                <a:spcPts val="0"/>
+              </a:spcAft>
+              <a:buNone/>
+            </a:pPr>
+            <a:r>
+              <a:rPr lang="es" dirty="0"/>
+              <a:t>Mais Informações </a:t>
+            </a:r>
+            <a:endParaRPr dirty="0"/>
+          </a:p>
+        </p:txBody>
+      </p:sp>
+      <p:cxnSp>
+        <p:nvCxnSpPr>
+          <p:cNvPr id="291" name="Google Shape;291;p25"/>
+          <p:cNvCxnSpPr/>
+          <p:nvPr/>
+        </p:nvCxnSpPr>
+        <p:spPr>
+          <a:xfrm>
+            <a:off x="311700" y="1191700"/>
+            <a:ext cx="8520600" cy="0"/>
+          </a:xfrm>
+          <a:prstGeom prst="straightConnector1">
+            <a:avLst/>
+          </a:prstGeom>
+          <a:noFill/>
+          <a:ln w="9525" cap="flat" cmpd="sng">
+            <a:solidFill>
+              <a:schemeClr val="accent1"/>
+            </a:solidFill>
+            <a:prstDash val="solid"/>
+            <a:round/>
+            <a:headEnd type="none" w="med" len="med"/>
+            <a:tailEnd type="none" w="med" len="med"/>
+          </a:ln>
+        </p:spPr>
+      </p:cxnSp>
+      <p:pic>
+        <p:nvPicPr>
+          <p:cNvPr id="3" name="Imagem 2">
+            <a:extLst>
+              <a:ext uri="{FF2B5EF4-FFF2-40B4-BE49-F238E27FC236}">
+                <a16:creationId xmlns:a16="http://schemas.microsoft.com/office/drawing/2014/main" id="{D10F64F7-3059-5FE3-6B5A-B482C314C74C}"/>
+              </a:ext>
+            </a:extLst>
+          </p:cNvPr>
+          <p:cNvPicPr>
+            <a:picLocks noChangeAspect="1"/>
+          </p:cNvPicPr>
+          <p:nvPr/>
+        </p:nvPicPr>
+        <p:blipFill>
+          <a:blip r:embed="rId3"/>
+          <a:stretch>
+            <a:fillRect/>
+          </a:stretch>
+        </p:blipFill>
+        <p:spPr>
+          <a:xfrm>
+            <a:off x="1279969" y="2452116"/>
+            <a:ext cx="804863" cy="704850"/>
+          </a:xfrm>
+          <a:prstGeom prst="rect">
+            <a:avLst/>
+          </a:prstGeom>
+        </p:spPr>
+      </p:pic>
+      <p:sp>
+        <p:nvSpPr>
+          <p:cNvPr id="5" name="Subtítulo 4">
+            <a:extLst>
+              <a:ext uri="{FF2B5EF4-FFF2-40B4-BE49-F238E27FC236}">
+                <a16:creationId xmlns:a16="http://schemas.microsoft.com/office/drawing/2014/main" id="{A3517BDB-2A29-8F12-3812-23DF70EEE3EC}"/>
+              </a:ext>
+            </a:extLst>
+          </p:cNvPr>
+          <p:cNvSpPr>
+            <a:spLocks noGrp="1"/>
+          </p:cNvSpPr>
+          <p:nvPr>
+            <p:ph type="subTitle" idx="1"/>
+          </p:nvPr>
+        </p:nvSpPr>
+        <p:spPr>
+          <a:xfrm>
+            <a:off x="2183901" y="1349133"/>
+            <a:ext cx="4776198" cy="502500"/>
+          </a:xfrm>
+        </p:spPr>
+        <p:txBody>
+          <a:bodyPr/>
+          <a:lstStyle/>
+          <a:p>
+            <a:r>
+              <a:rPr lang="pt-BR" sz="1600" b="1" dirty="0"/>
+              <a:t>Acesse Nosso  </a:t>
+            </a:r>
+            <a:r>
+              <a:rPr lang="pt-BR" sz="1800" b="1" dirty="0"/>
+              <a:t>Repositório</a:t>
+            </a:r>
+            <a:r>
+              <a:rPr lang="pt-BR" sz="1600" b="1" dirty="0"/>
+              <a:t>  GitHub Pelo Link:</a:t>
+            </a:r>
+          </a:p>
+        </p:txBody>
+      </p:sp>
+      <p:sp>
+        <p:nvSpPr>
+          <p:cNvPr id="7" name="CaixaDeTexto 6">
+            <a:extLst>
+              <a:ext uri="{FF2B5EF4-FFF2-40B4-BE49-F238E27FC236}">
+                <a16:creationId xmlns:a16="http://schemas.microsoft.com/office/drawing/2014/main" id="{805B556D-C23C-E6EF-A971-7E64B4D40765}"/>
+              </a:ext>
+            </a:extLst>
+          </p:cNvPr>
+          <p:cNvSpPr txBox="1"/>
+          <p:nvPr/>
+        </p:nvSpPr>
+        <p:spPr>
+          <a:xfrm>
+            <a:off x="2310384" y="2650652"/>
+            <a:ext cx="5382768" cy="307777"/>
+          </a:xfrm>
+          <a:prstGeom prst="rect">
+            <a:avLst/>
+          </a:prstGeom>
+          <a:noFill/>
+        </p:spPr>
+        <p:txBody>
+          <a:bodyPr wrap="square">
+            <a:spAutoFit/>
+          </a:bodyPr>
+          <a:lstStyle/>
+          <a:p>
+            <a:r>
+              <a:rPr lang="pt-BR" b="1" dirty="0">
+                <a:solidFill>
+                  <a:schemeClr val="accent2"/>
+                </a:solidFill>
+                <a:hlinkClick r:id="rId4"/>
+              </a:rPr>
+              <a:t>https://github.com/gismarb/heart_attack_data_miner</a:t>
+            </a:r>
+            <a:endParaRPr lang="pt-BR" b="1" dirty="0">
+              <a:solidFill>
+                <a:schemeClr val="accent2"/>
+              </a:solidFill>
+            </a:endParaRPr>
+          </a:p>
+        </p:txBody>
+      </p:sp>
+    </p:spTree>
+    <p:extLst>
+      <p:ext uri="{BB962C8B-B14F-4D97-AF65-F5344CB8AC3E}">
+        <p14:creationId xmlns:p14="http://schemas.microsoft.com/office/powerpoint/2010/main" val="1725054718"/>
+      </p:ext>
+    </p:extLst>
+  </p:cSld>
+  <p:clrMapOvr>
+    <a:masterClrMapping/>
+  </p:clrMapOvr>
+</p:sld>
+</file>
+
 <file path=ppt/slides/slide2.xml><?xml version="1.0" encoding="utf-8"?>
 <p:sld xmlns:a="http://schemas.openxmlformats.org/drawingml/2006/main" xmlns:r="http://schemas.openxmlformats.org/officeDocument/2006/relationships" xmlns:p="http://schemas.openxmlformats.org/presentationml/2006/main">
   <p:cSld>
@@ -21328,7 +21939,7 @@
         <p:spPr>
           <a:xfrm>
             <a:off x="3404960" y="2090733"/>
-            <a:ext cx="661424" cy="661424"/>
+            <a:ext cx="669600" cy="669600"/>
           </a:xfrm>
           <a:prstGeom prst="rect">
             <a:avLst/>
@@ -21349,7 +21960,7 @@
         </p:nvSpPr>
         <p:spPr>
           <a:xfrm>
-            <a:off x="5408453" y="2074868"/>
+            <a:off x="5068054" y="2074868"/>
             <a:ext cx="1249112" cy="369332"/>
           </a:xfrm>
           <a:prstGeom prst="rect">
@@ -21418,7 +22029,7 @@
         </p:nvSpPr>
         <p:spPr>
           <a:xfrm>
-            <a:off x="5408453" y="2389769"/>
+            <a:off x="284449" y="3275675"/>
             <a:ext cx="3090476" cy="369332"/>
           </a:xfrm>
           <a:prstGeom prst="rect">
@@ -21432,7 +22043,7 @@
           </a:bodyPr>
           <a:lstStyle/>
           <a:p>
-            <a:pPr>
+            <a:pPr algn="r">
               <a:buClr>
                 <a:srgbClr val="48FFD5"/>
               </a:buClr>
@@ -21464,7 +22075,7 @@
             </a:r>
           </a:p>
           <a:p>
-            <a:pPr>
+            <a:pPr algn="r">
               <a:buClr>
                 <a:srgbClr val="48FFD5"/>
               </a:buClr>
@@ -21479,43 +22090,14 @@
                 <a:ea typeface="Roboto Light"/>
                 <a:cs typeface="Roboto Light"/>
                 <a:sym typeface="Roboto Light"/>
+                <a:hlinkClick r:id="rId4"/>
               </a:rPr>
-              <a:t>https://www.linkedin.com/in/joao-amazonas/</a:t>
+              <a:t>https://www.linkedin.com/in/gismar/</a:t>
             </a:r>
             <a:endParaRPr lang="pt-BR" sz="900" dirty="0"/>
           </a:p>
         </p:txBody>
       </p:sp>
-      <p:pic>
-        <p:nvPicPr>
-          <p:cNvPr id="18" name="Imagem 17">
-            <a:extLst>
-              <a:ext uri="{FF2B5EF4-FFF2-40B4-BE49-F238E27FC236}">
-                <a16:creationId xmlns:a16="http://schemas.microsoft.com/office/drawing/2014/main" id="{9E85699F-4A65-ECF6-3738-19CF6384A7EF}"/>
-              </a:ext>
-            </a:extLst>
-          </p:cNvPr>
-          <p:cNvPicPr>
-            <a:picLocks noChangeAspect="1"/>
-          </p:cNvPicPr>
-          <p:nvPr/>
-        </p:nvPicPr>
-        <p:blipFill>
-          <a:blip r:embed="rId3"/>
-          <a:stretch>
-            <a:fillRect/>
-          </a:stretch>
-        </p:blipFill>
-        <p:spPr>
-          <a:xfrm>
-            <a:off x="4751041" y="2074868"/>
-            <a:ext cx="661424" cy="661424"/>
-          </a:xfrm>
-          <a:prstGeom prst="rect">
-            <a:avLst/>
-          </a:prstGeom>
-        </p:spPr>
-      </p:pic>
       <p:sp>
         <p:nvSpPr>
           <p:cNvPr id="19" name="CaixaDeTexto 18">
@@ -21585,36 +22167,6 @@
           </a:p>
         </p:txBody>
       </p:sp>
-      <p:pic>
-        <p:nvPicPr>
-          <p:cNvPr id="20" name="Imagem 19">
-            <a:extLst>
-              <a:ext uri="{FF2B5EF4-FFF2-40B4-BE49-F238E27FC236}">
-                <a16:creationId xmlns:a16="http://schemas.microsoft.com/office/drawing/2014/main" id="{A3B4B731-ABC1-3BD7-2AA5-D0B7CAED42B9}"/>
-              </a:ext>
-            </a:extLst>
-          </p:cNvPr>
-          <p:cNvPicPr>
-            <a:picLocks noChangeAspect="1"/>
-          </p:cNvPicPr>
-          <p:nvPr/>
-        </p:nvPicPr>
-        <p:blipFill>
-          <a:blip r:embed="rId3"/>
-          <a:stretch>
-            <a:fillRect/>
-          </a:stretch>
-        </p:blipFill>
-        <p:spPr>
-          <a:xfrm>
-            <a:off x="3400948" y="2939172"/>
-            <a:ext cx="661424" cy="661424"/>
-          </a:xfrm>
-          <a:prstGeom prst="rect">
-            <a:avLst/>
-          </a:prstGeom>
-        </p:spPr>
-      </p:pic>
       <p:sp>
         <p:nvSpPr>
           <p:cNvPr id="21" name="CaixaDeTexto 20">
@@ -21629,8 +22181,8 @@
         </p:nvSpPr>
         <p:spPr>
           <a:xfrm>
-            <a:off x="249617" y="3254019"/>
-            <a:ext cx="3090476" cy="369332"/>
+            <a:off x="5064042" y="2422710"/>
+            <a:ext cx="3886398" cy="369332"/>
           </a:xfrm>
           <a:prstGeom prst="rect">
             <a:avLst/>
@@ -21643,7 +22195,7 @@
           </a:bodyPr>
           <a:lstStyle/>
           <a:p>
-            <a:pPr algn="r">
+            <a:pPr>
               <a:buClr>
                 <a:srgbClr val="48FFD5"/>
               </a:buClr>
@@ -21671,11 +22223,11 @@
                 <a:cs typeface="Roboto Light"/>
                 <a:sym typeface="Roboto Light"/>
               </a:rPr>
-              <a:t>: </a:t>
+              <a:t>:</a:t>
             </a:r>
           </a:p>
           <a:p>
-            <a:pPr algn="r">
+            <a:pPr>
               <a:buClr>
                 <a:srgbClr val="48FFD5"/>
               </a:buClr>
@@ -21690,10 +22242,19 @@
                 <a:ea typeface="Roboto Light"/>
                 <a:cs typeface="Roboto Light"/>
                 <a:sym typeface="Roboto Light"/>
+                <a:hlinkClick r:id="rId5"/>
               </a:rPr>
-              <a:t> https://www.linkedin.com/in/joao-amazonas/</a:t>
+              <a:t>https://www.linkedin.com/in/la%C3%ADs-fernanda-gregorio-8407451b7/</a:t>
             </a:r>
-            <a:endParaRPr lang="pt-BR" sz="900" dirty="0"/>
+            <a:endParaRPr lang="pt-BR" sz="900" dirty="0">
+              <a:solidFill>
+                <a:srgbClr val="48FFD5"/>
+              </a:solidFill>
+              <a:latin typeface="Roboto Light"/>
+              <a:ea typeface="Roboto Light"/>
+              <a:cs typeface="Roboto Light"/>
+              <a:sym typeface="Roboto Light"/>
+            </a:endParaRPr>
           </a:p>
         </p:txBody>
       </p:sp>
@@ -21711,7 +22272,7 @@
         </p:nvSpPr>
         <p:spPr>
           <a:xfrm>
-            <a:off x="5404441" y="2923307"/>
+            <a:off x="5064042" y="2990175"/>
             <a:ext cx="1249112" cy="369332"/>
           </a:xfrm>
           <a:prstGeom prst="rect">
@@ -21792,8 +22353,8 @@
         </p:nvSpPr>
         <p:spPr>
           <a:xfrm>
-            <a:off x="5404441" y="3238208"/>
-            <a:ext cx="3090476" cy="369332"/>
+            <a:off x="5064042" y="3305076"/>
+            <a:ext cx="3218952" cy="369332"/>
           </a:xfrm>
           <a:prstGeom prst="rect">
             <a:avLst/>
@@ -21853,43 +22414,14 @@
                 <a:ea typeface="Roboto Light"/>
                 <a:cs typeface="Roboto Light"/>
                 <a:sym typeface="Roboto Light"/>
+                <a:hlinkClick r:id="rId6"/>
               </a:rPr>
-              <a:t>https://www.linkedin.com/in/joao-amazonas/</a:t>
+              <a:t>https://www.linkedin.com/in/thainnara-santos-a41816162/</a:t>
             </a:r>
             <a:endParaRPr lang="pt-BR" sz="900" dirty="0"/>
           </a:p>
         </p:txBody>
       </p:sp>
-      <p:pic>
-        <p:nvPicPr>
-          <p:cNvPr id="24" name="Imagem 23">
-            <a:extLst>
-              <a:ext uri="{FF2B5EF4-FFF2-40B4-BE49-F238E27FC236}">
-                <a16:creationId xmlns:a16="http://schemas.microsoft.com/office/drawing/2014/main" id="{CAC135F7-E803-1EC5-26CA-70BB6DF2611B}"/>
-              </a:ext>
-            </a:extLst>
-          </p:cNvPr>
-          <p:cNvPicPr>
-            <a:picLocks noChangeAspect="1"/>
-          </p:cNvPicPr>
-          <p:nvPr/>
-        </p:nvPicPr>
-        <p:blipFill>
-          <a:blip r:embed="rId3"/>
-          <a:stretch>
-            <a:fillRect/>
-          </a:stretch>
-        </p:blipFill>
-        <p:spPr>
-          <a:xfrm>
-            <a:off x="4747029" y="2923307"/>
-            <a:ext cx="661424" cy="661424"/>
-          </a:xfrm>
-          <a:prstGeom prst="rect">
-            <a:avLst/>
-          </a:prstGeom>
-        </p:spPr>
-      </p:pic>
       <p:sp>
         <p:nvSpPr>
           <p:cNvPr id="28" name="CaixaDeTexto 27">
@@ -21965,6 +22497,7 @@
                 <a:ea typeface="Roboto Light"/>
                 <a:cs typeface="Roboto Light"/>
                 <a:sym typeface="Roboto Light"/>
+                <a:hlinkClick r:id="rId7"/>
               </a:rPr>
               <a:t> https://www.linkedin.com/in/joao-amazonas/</a:t>
             </a:r>
@@ -21972,6 +22505,95 @@
           </a:p>
         </p:txBody>
       </p:sp>
+      <p:pic>
+        <p:nvPicPr>
+          <p:cNvPr id="4" name="Imagem 3">
+            <a:extLst>
+              <a:ext uri="{FF2B5EF4-FFF2-40B4-BE49-F238E27FC236}">
+                <a16:creationId xmlns:a16="http://schemas.microsoft.com/office/drawing/2014/main" id="{F18A2866-0FC0-248B-E78F-52CEBF6AA505}"/>
+              </a:ext>
+            </a:extLst>
+          </p:cNvPr>
+          <p:cNvPicPr>
+            <a:picLocks noChangeAspect="1"/>
+          </p:cNvPicPr>
+          <p:nvPr/>
+        </p:nvPicPr>
+        <p:blipFill>
+          <a:blip r:embed="rId8"/>
+          <a:stretch>
+            <a:fillRect/>
+          </a:stretch>
+        </p:blipFill>
+        <p:spPr>
+          <a:xfrm>
+            <a:off x="3407276" y="2970276"/>
+            <a:ext cx="669600" cy="669600"/>
+          </a:xfrm>
+          <a:prstGeom prst="rect">
+            <a:avLst/>
+          </a:prstGeom>
+        </p:spPr>
+      </p:pic>
+      <p:pic>
+        <p:nvPicPr>
+          <p:cNvPr id="7" name="Imagem 6">
+            <a:extLst>
+              <a:ext uri="{FF2B5EF4-FFF2-40B4-BE49-F238E27FC236}">
+                <a16:creationId xmlns:a16="http://schemas.microsoft.com/office/drawing/2014/main" id="{F578FBF8-CD6B-C5C2-38A9-BD68DC4D9C1B}"/>
+              </a:ext>
+            </a:extLst>
+          </p:cNvPr>
+          <p:cNvPicPr>
+            <a:picLocks noChangeAspect="1"/>
+          </p:cNvPicPr>
+          <p:nvPr/>
+        </p:nvPicPr>
+        <p:blipFill rotWithShape="1">
+          <a:blip r:embed="rId9"/>
+          <a:srcRect l="20391" t="17130" r="28980" b="36735"/>
+          <a:stretch/>
+        </p:blipFill>
+        <p:spPr>
+          <a:xfrm>
+            <a:off x="4298942" y="2092383"/>
+            <a:ext cx="667951" cy="667950"/>
+          </a:xfrm>
+          <a:prstGeom prst="rect">
+            <a:avLst/>
+          </a:prstGeom>
+        </p:spPr>
+      </p:pic>
+      <p:pic>
+        <p:nvPicPr>
+          <p:cNvPr id="10" name="Imagem 9">
+            <a:extLst>
+              <a:ext uri="{FF2B5EF4-FFF2-40B4-BE49-F238E27FC236}">
+                <a16:creationId xmlns:a16="http://schemas.microsoft.com/office/drawing/2014/main" id="{0DC1DE92-850C-843A-8740-FD136C1400A9}"/>
+              </a:ext>
+            </a:extLst>
+          </p:cNvPr>
+          <p:cNvPicPr>
+            <a:picLocks noChangeAspect="1"/>
+          </p:cNvPicPr>
+          <p:nvPr/>
+        </p:nvPicPr>
+        <p:blipFill>
+          <a:blip r:embed="rId10"/>
+          <a:stretch>
+            <a:fillRect/>
+          </a:stretch>
+        </p:blipFill>
+        <p:spPr>
+          <a:xfrm>
+            <a:off x="4334949" y="2977057"/>
+            <a:ext cx="667950" cy="667950"/>
+          </a:xfrm>
+          <a:prstGeom prst="rect">
+            <a:avLst/>
+          </a:prstGeom>
+        </p:spPr>
+      </p:pic>
     </p:spTree>
     <p:extLst>
       <p:ext uri="{BB962C8B-B14F-4D97-AF65-F5344CB8AC3E}">
@@ -22056,7 +22678,7 @@
         </p:nvSpPr>
         <p:spPr>
           <a:xfrm>
-            <a:off x="5142500" y="2588668"/>
+            <a:off x="5142500" y="2527708"/>
             <a:ext cx="1176900" cy="606600"/>
           </a:xfrm>
           <a:prstGeom prst="rect">
@@ -22106,7 +22728,7 @@
         </p:nvSpPr>
         <p:spPr>
           <a:xfrm>
-            <a:off x="5142500" y="3485393"/>
+            <a:off x="5142500" y="3424433"/>
             <a:ext cx="1176900" cy="606600"/>
           </a:xfrm>
           <a:prstGeom prst="rect">
@@ -22252,7 +22874,7 @@
         </p:nvSpPr>
         <p:spPr>
           <a:xfrm>
-            <a:off x="725750" y="2853044"/>
+            <a:off x="701366" y="3607368"/>
             <a:ext cx="2010000" cy="502500"/>
           </a:xfrm>
           <a:prstGeom prst="rect">
@@ -22323,7 +22945,7 @@
         </p:nvSpPr>
         <p:spPr>
           <a:xfrm>
-            <a:off x="2827575" y="2604419"/>
+            <a:off x="2803191" y="3358743"/>
             <a:ext cx="1176900" cy="606600"/>
           </a:xfrm>
           <a:prstGeom prst="rect">
@@ -22351,7 +22973,7 @@
                   <a:schemeClr val="accent1"/>
                 </a:solidFill>
               </a:rPr>
-              <a:t>02</a:t>
+              <a:t>03</a:t>
             </a:r>
             <a:endParaRPr dirty="0">
               <a:solidFill>
@@ -22373,7 +22995,7 @@
         </p:nvSpPr>
         <p:spPr>
           <a:xfrm>
-            <a:off x="5808066" y="2090717"/>
+            <a:off x="5808066" y="2029757"/>
             <a:ext cx="2010000" cy="502500"/>
           </a:xfrm>
           <a:prstGeom prst="rect">
@@ -22420,7 +23042,7 @@
         </p:nvSpPr>
         <p:spPr>
           <a:xfrm>
-            <a:off x="5803540" y="1740319"/>
+            <a:off x="5803540" y="1679359"/>
             <a:ext cx="1176900" cy="606600"/>
           </a:xfrm>
           <a:prstGeom prst="rect">
@@ -22512,7 +23134,7 @@
         </p:nvSpPr>
         <p:spPr>
           <a:xfrm>
-            <a:off x="643488" y="2781407"/>
+            <a:off x="619104" y="3535731"/>
             <a:ext cx="2076000" cy="196200"/>
           </a:xfrm>
           <a:prstGeom prst="rect">
@@ -22559,7 +23181,7 @@
         </p:nvSpPr>
         <p:spPr>
           <a:xfrm>
-            <a:off x="5675305" y="2840233"/>
+            <a:off x="5675305" y="2779273"/>
             <a:ext cx="2076000" cy="196200"/>
           </a:xfrm>
           <a:prstGeom prst="rect">
@@ -22606,7 +23228,7 @@
         </p:nvSpPr>
         <p:spPr>
           <a:xfrm>
-            <a:off x="6381080" y="2044690"/>
+            <a:off x="6381080" y="1983730"/>
             <a:ext cx="2076000" cy="196200"/>
           </a:xfrm>
           <a:prstGeom prst="rect">
@@ -22653,7 +23275,7 @@
         </p:nvSpPr>
         <p:spPr>
           <a:xfrm>
-            <a:off x="6419425" y="3677052"/>
+            <a:off x="6419425" y="3616092"/>
             <a:ext cx="2076000" cy="196200"/>
           </a:xfrm>
           <a:prstGeom prst="rect">
@@ -22732,7 +23354,7 @@
         </p:nvSpPr>
         <p:spPr>
           <a:xfrm>
-            <a:off x="6265644" y="3757169"/>
+            <a:off x="6302220" y="3696209"/>
             <a:ext cx="2150395" cy="660901"/>
           </a:xfrm>
         </p:spPr>
@@ -22768,7 +23390,7 @@
         </p:nvSpPr>
         <p:spPr>
           <a:xfrm>
-            <a:off x="6265644" y="2879507"/>
+            <a:off x="6265644" y="2818547"/>
             <a:ext cx="1889400" cy="502500"/>
           </a:xfrm>
         </p:spPr>
@@ -22805,7 +23427,7 @@
         </p:nvSpPr>
         <p:spPr>
           <a:xfrm>
-            <a:off x="2835775" y="3373752"/>
+            <a:off x="2801750" y="2558307"/>
             <a:ext cx="1176900" cy="606600"/>
           </a:xfrm>
           <a:prstGeom prst="rect">
@@ -23074,7 +23696,7 @@
                   <a:schemeClr val="accent1"/>
                 </a:solidFill>
               </a:rPr>
-              <a:t>03</a:t>
+              <a:t>02</a:t>
             </a:r>
           </a:p>
         </p:txBody>
@@ -23095,7 +23717,7 @@
         </p:nvSpPr>
         <p:spPr>
           <a:xfrm>
-            <a:off x="759775" y="3626732"/>
+            <a:off x="725750" y="2811287"/>
             <a:ext cx="2076000" cy="196200"/>
           </a:xfrm>
           <a:prstGeom prst="rect">
@@ -23395,7 +24017,7 @@
         </p:nvSpPr>
         <p:spPr>
           <a:xfrm>
-            <a:off x="792775" y="3655010"/>
+            <a:off x="758750" y="2839565"/>
             <a:ext cx="2010000" cy="502500"/>
           </a:xfrm>
           <a:prstGeom prst="rect">
@@ -23720,7 +24342,7 @@
         </p:blipFill>
         <p:spPr>
           <a:xfrm>
-            <a:off x="3505018" y="3485392"/>
+            <a:off x="3470993" y="2669947"/>
             <a:ext cx="363643" cy="363643"/>
           </a:xfrm>
           <a:prstGeom prst="rect">
@@ -23780,7 +24402,7 @@
         </p:blipFill>
         <p:spPr>
           <a:xfrm>
-            <a:off x="3505017" y="2706950"/>
+            <a:off x="3480633" y="3461274"/>
             <a:ext cx="421089" cy="421089"/>
           </a:xfrm>
           <a:prstGeom prst="rect">
@@ -24677,7 +25299,7 @@
         </p:nvSpPr>
         <p:spPr>
           <a:xfrm>
-            <a:off x="6356811" y="4469845"/>
+            <a:off x="6356811" y="4408885"/>
             <a:ext cx="1889400" cy="502500"/>
           </a:xfrm>
           <a:prstGeom prst="rect">
@@ -24969,7 +25591,7 @@
         </p:nvSpPr>
         <p:spPr>
           <a:xfrm>
-            <a:off x="5193499" y="4161929"/>
+            <a:off x="5156923" y="4100969"/>
             <a:ext cx="1176900" cy="606600"/>
           </a:xfrm>
           <a:prstGeom prst="rect">
@@ -25257,7 +25879,7 @@
         </p:nvGrpSpPr>
         <p:grpSpPr>
           <a:xfrm>
-            <a:off x="5207184" y="1905530"/>
+            <a:off x="5207184" y="1844570"/>
             <a:ext cx="428920" cy="426114"/>
             <a:chOff x="5158765" y="1869967"/>
             <a:chExt cx="428920" cy="426114"/>
@@ -27876,7 +28498,7 @@
         </p:nvSpPr>
         <p:spPr>
           <a:xfrm>
-            <a:off x="6455543" y="4407446"/>
+            <a:off x="6455543" y="4346486"/>
             <a:ext cx="2076000" cy="196200"/>
           </a:xfrm>
           <a:prstGeom prst="rect">
@@ -28206,7 +28828,7 @@
         </p:blipFill>
         <p:spPr>
           <a:xfrm>
-            <a:off x="5161808" y="3537472"/>
+            <a:off x="5161808" y="3476512"/>
             <a:ext cx="519673" cy="519673"/>
           </a:xfrm>
           <a:prstGeom prst="rect">
@@ -28236,7 +28858,7 @@
         </p:blipFill>
         <p:spPr>
           <a:xfrm>
-            <a:off x="5263709" y="4293684"/>
+            <a:off x="5263709" y="4232724"/>
             <a:ext cx="406138" cy="406138"/>
           </a:xfrm>
           <a:prstGeom prst="rect">
@@ -28266,7 +28888,7 @@
         </p:blipFill>
         <p:spPr>
           <a:xfrm>
-            <a:off x="5135702" y="2620675"/>
+            <a:off x="5135702" y="2559715"/>
             <a:ext cx="556515" cy="556515"/>
           </a:xfrm>
           <a:prstGeom prst="rect">
@@ -28457,345 +29079,6 @@
 </file>
 
 <file path=ppt/slides/slide5.xml><?xml version="1.0" encoding="utf-8"?>
-<p:sld xmlns:a="http://schemas.openxmlformats.org/drawingml/2006/main" xmlns:r="http://schemas.openxmlformats.org/officeDocument/2006/relationships" xmlns:p="http://schemas.openxmlformats.org/presentationml/2006/main">
-  <p:cSld>
-    <p:spTree>
-      <p:nvGrpSpPr>
-        <p:cNvPr id="1" name="Shape 274"/>
-        <p:cNvGrpSpPr/>
-        <p:nvPr/>
-      </p:nvGrpSpPr>
-      <p:grpSpPr>
-        <a:xfrm>
-          <a:off x="0" y="0"/>
-          <a:ext cx="0" cy="0"/>
-          <a:chOff x="0" y="0"/>
-          <a:chExt cx="0" cy="0"/>
-        </a:xfrm>
-      </p:grpSpPr>
-      <p:sp>
-        <p:nvSpPr>
-          <p:cNvPr id="275" name="Google Shape;275;p25"/>
-          <p:cNvSpPr txBox="1">
-            <a:spLocks noGrp="1"/>
-          </p:cNvSpPr>
-          <p:nvPr>
-            <p:ph type="ctrTitle" idx="6"/>
-          </p:nvPr>
-        </p:nvSpPr>
-        <p:spPr>
-          <a:xfrm>
-            <a:off x="311700" y="644550"/>
-            <a:ext cx="8520600" cy="606600"/>
-          </a:xfrm>
-          <a:prstGeom prst="rect">
-            <a:avLst/>
-          </a:prstGeom>
-        </p:spPr>
-        <p:txBody>
-          <a:bodyPr spcFirstLastPara="1" wrap="square" lIns="91425" tIns="91425" rIns="91425" bIns="91425" anchor="b" anchorCtr="0">
-            <a:noAutofit/>
-          </a:bodyPr>
-          <a:lstStyle/>
-          <a:p>
-            <a:pPr marL="0" lvl="0" indent="0" algn="ctr" rtl="0">
-              <a:spcBef>
-                <a:spcPts val="0"/>
-              </a:spcBef>
-              <a:spcAft>
-                <a:spcPts val="0"/>
-              </a:spcAft>
-              <a:buNone/>
-            </a:pPr>
-            <a:r>
-              <a:rPr lang="es" dirty="0"/>
-              <a:t>Metodologia</a:t>
-            </a:r>
-            <a:endParaRPr dirty="0"/>
-          </a:p>
-        </p:txBody>
-      </p:sp>
-      <p:sp>
-        <p:nvSpPr>
-          <p:cNvPr id="276" name="Google Shape;276;p25"/>
-          <p:cNvSpPr txBox="1">
-            <a:spLocks noGrp="1"/>
-          </p:cNvSpPr>
-          <p:nvPr>
-            <p:ph type="subTitle" idx="1"/>
-          </p:nvPr>
-        </p:nvSpPr>
-        <p:spPr>
-          <a:xfrm>
-            <a:off x="391306" y="1547050"/>
-            <a:ext cx="8440994" cy="3196400"/>
-          </a:xfrm>
-          <a:prstGeom prst="rect">
-            <a:avLst/>
-          </a:prstGeom>
-        </p:spPr>
-        <p:txBody>
-          <a:bodyPr spcFirstLastPara="1" wrap="square" lIns="91425" tIns="91425" rIns="91425" bIns="91425" anchor="t" anchorCtr="0">
-            <a:noAutofit/>
-          </a:bodyPr>
-          <a:lstStyle/>
-          <a:p>
-            <a:pPr marL="0" lvl="0" indent="0" algn="l" rtl="0">
-              <a:spcBef>
-                <a:spcPts val="0"/>
-              </a:spcBef>
-              <a:spcAft>
-                <a:spcPts val="0"/>
-              </a:spcAft>
-              <a:buNone/>
-            </a:pPr>
-            <a:r>
-              <a:rPr lang="pt-BR" sz="1200" dirty="0"/>
-              <a:t> O KDD, ou Descoberta de Conhecimento em Bancos de Dados, é um processo sistemático que visa extrair informações úteis e conhecimento significativo a partir de grandes conjuntos de dados. Ele é composto por várias etapas, que são as seguintes:</a:t>
-            </a:r>
-          </a:p>
-          <a:p>
-            <a:pPr marL="0" lvl="0" indent="0" algn="l" rtl="0">
-              <a:spcBef>
-                <a:spcPts val="0"/>
-              </a:spcBef>
-              <a:spcAft>
-                <a:spcPts val="0"/>
-              </a:spcAft>
-              <a:buNone/>
-            </a:pPr>
-            <a:endParaRPr lang="pt-BR" sz="1200" dirty="0"/>
-          </a:p>
-          <a:p>
-            <a:pPr marL="171450" lvl="0" indent="-171450" algn="l" rtl="0">
-              <a:spcBef>
-                <a:spcPts val="0"/>
-              </a:spcBef>
-              <a:spcAft>
-                <a:spcPts val="0"/>
-              </a:spcAft>
-              <a:buFont typeface="Wingdings" panose="05000000000000000000" pitchFamily="2" charset="2"/>
-              <a:buChar char="q"/>
-            </a:pPr>
-            <a:r>
-              <a:rPr lang="pt-BR" sz="1200" dirty="0"/>
-              <a:t>Entendimento do Domínio do Problema</a:t>
-            </a:r>
-          </a:p>
-          <a:p>
-            <a:pPr marL="0" lvl="0" indent="0" algn="l" rtl="0">
-              <a:spcBef>
-                <a:spcPts val="0"/>
-              </a:spcBef>
-              <a:spcAft>
-                <a:spcPts val="0"/>
-              </a:spcAft>
-            </a:pPr>
-            <a:endParaRPr lang="pt-BR" sz="1200" dirty="0"/>
-          </a:p>
-          <a:p>
-            <a:pPr marL="171450" lvl="0" indent="-171450" algn="l" rtl="0">
-              <a:spcBef>
-                <a:spcPts val="0"/>
-              </a:spcBef>
-              <a:spcAft>
-                <a:spcPts val="0"/>
-              </a:spcAft>
-              <a:buFont typeface="Wingdings" panose="05000000000000000000" pitchFamily="2" charset="2"/>
-              <a:buChar char="q"/>
-            </a:pPr>
-            <a:r>
-              <a:rPr lang="pt-BR" sz="1200" dirty="0"/>
-              <a:t>Seleção de Dados</a:t>
-            </a:r>
-          </a:p>
-          <a:p>
-            <a:pPr marL="171450" lvl="0" indent="-171450" algn="l" rtl="0">
-              <a:spcBef>
-                <a:spcPts val="0"/>
-              </a:spcBef>
-              <a:spcAft>
-                <a:spcPts val="0"/>
-              </a:spcAft>
-              <a:buFont typeface="Wingdings" panose="05000000000000000000" pitchFamily="2" charset="2"/>
-              <a:buChar char="q"/>
-            </a:pPr>
-            <a:endParaRPr lang="pt-BR" sz="1200" dirty="0"/>
-          </a:p>
-          <a:p>
-            <a:pPr marL="171450" lvl="0" indent="-171450" algn="l" rtl="0">
-              <a:spcBef>
-                <a:spcPts val="0"/>
-              </a:spcBef>
-              <a:spcAft>
-                <a:spcPts val="0"/>
-              </a:spcAft>
-              <a:buFont typeface="Wingdings" panose="05000000000000000000" pitchFamily="2" charset="2"/>
-              <a:buChar char="q"/>
-            </a:pPr>
-            <a:r>
-              <a:rPr lang="pt-BR" sz="1200" dirty="0"/>
-              <a:t>Pré-processamento de Dados</a:t>
-            </a:r>
-          </a:p>
-          <a:p>
-            <a:pPr marL="171450" lvl="0" indent="-171450" algn="l" rtl="0">
-              <a:spcBef>
-                <a:spcPts val="0"/>
-              </a:spcBef>
-              <a:spcAft>
-                <a:spcPts val="0"/>
-              </a:spcAft>
-              <a:buFont typeface="Wingdings" panose="05000000000000000000" pitchFamily="2" charset="2"/>
-              <a:buChar char="q"/>
-            </a:pPr>
-            <a:endParaRPr lang="pt-BR" sz="1200" dirty="0"/>
-          </a:p>
-          <a:p>
-            <a:pPr marL="171450" lvl="0" indent="-171450" algn="l" rtl="0">
-              <a:spcBef>
-                <a:spcPts val="0"/>
-              </a:spcBef>
-              <a:spcAft>
-                <a:spcPts val="0"/>
-              </a:spcAft>
-              <a:buFont typeface="Wingdings" panose="05000000000000000000" pitchFamily="2" charset="2"/>
-              <a:buChar char="q"/>
-            </a:pPr>
-            <a:r>
-              <a:rPr lang="pt-BR" sz="1200" dirty="0"/>
-              <a:t>Transformação de Dados</a:t>
-            </a:r>
-          </a:p>
-          <a:p>
-            <a:pPr marL="171450" lvl="0" indent="-171450" algn="l" rtl="0">
-              <a:spcBef>
-                <a:spcPts val="0"/>
-              </a:spcBef>
-              <a:spcAft>
-                <a:spcPts val="0"/>
-              </a:spcAft>
-              <a:buFont typeface="Wingdings" panose="05000000000000000000" pitchFamily="2" charset="2"/>
-              <a:buChar char="q"/>
-            </a:pPr>
-            <a:endParaRPr lang="pt-BR" sz="1200" dirty="0"/>
-          </a:p>
-          <a:p>
-            <a:pPr marL="171450" lvl="0" indent="-171450" algn="l" rtl="0">
-              <a:spcBef>
-                <a:spcPts val="0"/>
-              </a:spcBef>
-              <a:spcAft>
-                <a:spcPts val="0"/>
-              </a:spcAft>
-              <a:buFont typeface="Wingdings" panose="05000000000000000000" pitchFamily="2" charset="2"/>
-              <a:buChar char="q"/>
-            </a:pPr>
-            <a:r>
-              <a:rPr lang="pt-BR" sz="1200" dirty="0"/>
-              <a:t>Mineração de Dados</a:t>
-            </a:r>
-          </a:p>
-          <a:p>
-            <a:pPr marL="171450" lvl="0" indent="-171450" algn="l" rtl="0">
-              <a:spcBef>
-                <a:spcPts val="0"/>
-              </a:spcBef>
-              <a:spcAft>
-                <a:spcPts val="0"/>
-              </a:spcAft>
-              <a:buFont typeface="Wingdings" panose="05000000000000000000" pitchFamily="2" charset="2"/>
-              <a:buChar char="q"/>
-            </a:pPr>
-            <a:endParaRPr lang="pt-BR" sz="1200" dirty="0"/>
-          </a:p>
-          <a:p>
-            <a:pPr marL="171450" lvl="0" indent="-171450" algn="l" rtl="0">
-              <a:spcBef>
-                <a:spcPts val="0"/>
-              </a:spcBef>
-              <a:spcAft>
-                <a:spcPts val="0"/>
-              </a:spcAft>
-              <a:buFont typeface="Wingdings" panose="05000000000000000000" pitchFamily="2" charset="2"/>
-              <a:buChar char="q"/>
-            </a:pPr>
-            <a:r>
-              <a:rPr lang="pt-BR" sz="1200" dirty="0"/>
-              <a:t>Avaliação dos Resultados</a:t>
-            </a:r>
-          </a:p>
-          <a:p>
-            <a:pPr marL="171450" lvl="0" indent="-171450" algn="l" rtl="0">
-              <a:spcBef>
-                <a:spcPts val="0"/>
-              </a:spcBef>
-              <a:spcAft>
-                <a:spcPts val="0"/>
-              </a:spcAft>
-              <a:buFont typeface="Wingdings" panose="05000000000000000000" pitchFamily="2" charset="2"/>
-              <a:buChar char="q"/>
-            </a:pPr>
-            <a:endParaRPr lang="pt-BR" sz="1200" dirty="0"/>
-          </a:p>
-          <a:p>
-            <a:pPr marL="171450" lvl="0" indent="-171450" algn="l" rtl="0">
-              <a:spcBef>
-                <a:spcPts val="0"/>
-              </a:spcBef>
-              <a:spcAft>
-                <a:spcPts val="0"/>
-              </a:spcAft>
-              <a:buFont typeface="Wingdings" panose="05000000000000000000" pitchFamily="2" charset="2"/>
-              <a:buChar char="q"/>
-            </a:pPr>
-            <a:r>
-              <a:rPr lang="pt-BR" sz="1200" dirty="0"/>
-              <a:t>Interpretação e Visualização dos Resultados</a:t>
-            </a:r>
-          </a:p>
-        </p:txBody>
-      </p:sp>
-      <p:cxnSp>
-        <p:nvCxnSpPr>
-          <p:cNvPr id="291" name="Google Shape;291;p25"/>
-          <p:cNvCxnSpPr/>
-          <p:nvPr/>
-        </p:nvCxnSpPr>
-        <p:spPr>
-          <a:xfrm>
-            <a:off x="311700" y="1191700"/>
-            <a:ext cx="8520600" cy="0"/>
-          </a:xfrm>
-          <a:prstGeom prst="straightConnector1">
-            <a:avLst/>
-          </a:prstGeom>
-          <a:noFill/>
-          <a:ln w="9525" cap="flat" cmpd="sng">
-            <a:solidFill>
-              <a:schemeClr val="accent1"/>
-            </a:solidFill>
-            <a:prstDash val="solid"/>
-            <a:round/>
-            <a:headEnd type="none" w="med" len="med"/>
-            <a:tailEnd type="none" w="med" len="med"/>
-          </a:ln>
-        </p:spPr>
-      </p:cxnSp>
-    </p:spTree>
-    <p:extLst>
-      <p:ext uri="{BB962C8B-B14F-4D97-AF65-F5344CB8AC3E}">
-        <p14:creationId xmlns:p14="http://schemas.microsoft.com/office/powerpoint/2010/main" val="89934886"/>
-      </p:ext>
-    </p:extLst>
-  </p:cSld>
-  <p:clrMapOvr>
-    <a:masterClrMapping/>
-  </p:clrMapOvr>
-</p:sld>
-</file>
-
-<file path=ppt/slides/slide6.xml><?xml version="1.0" encoding="utf-8"?>
 <p:sld xmlns:a="http://schemas.openxmlformats.org/drawingml/2006/main" xmlns:r="http://schemas.openxmlformats.org/officeDocument/2006/relationships" xmlns:p="http://schemas.openxmlformats.org/presentationml/2006/main">
   <p:cSld>
     <p:spTree>
@@ -29304,7 +29587,7 @@
 </p:sld>
 </file>
 
-<file path=ppt/slides/slide7.xml><?xml version="1.0" encoding="utf-8"?>
+<file path=ppt/slides/slide6.xml><?xml version="1.0" encoding="utf-8"?>
 <p:sld xmlns:a="http://schemas.openxmlformats.org/drawingml/2006/main" xmlns:r="http://schemas.openxmlformats.org/officeDocument/2006/relationships" xmlns:p="http://schemas.openxmlformats.org/presentationml/2006/main">
   <p:cSld>
     <p:spTree>
@@ -29488,6 +29771,345 @@
 </p:sld>
 </file>
 
+<file path=ppt/slides/slide7.xml><?xml version="1.0" encoding="utf-8"?>
+<p:sld xmlns:a="http://schemas.openxmlformats.org/drawingml/2006/main" xmlns:r="http://schemas.openxmlformats.org/officeDocument/2006/relationships" xmlns:p="http://schemas.openxmlformats.org/presentationml/2006/main">
+  <p:cSld>
+    <p:spTree>
+      <p:nvGrpSpPr>
+        <p:cNvPr id="1" name="Shape 274"/>
+        <p:cNvGrpSpPr/>
+        <p:nvPr/>
+      </p:nvGrpSpPr>
+      <p:grpSpPr>
+        <a:xfrm>
+          <a:off x="0" y="0"/>
+          <a:ext cx="0" cy="0"/>
+          <a:chOff x="0" y="0"/>
+          <a:chExt cx="0" cy="0"/>
+        </a:xfrm>
+      </p:grpSpPr>
+      <p:sp>
+        <p:nvSpPr>
+          <p:cNvPr id="275" name="Google Shape;275;p25"/>
+          <p:cNvSpPr txBox="1">
+            <a:spLocks noGrp="1"/>
+          </p:cNvSpPr>
+          <p:nvPr>
+            <p:ph type="ctrTitle" idx="6"/>
+          </p:nvPr>
+        </p:nvSpPr>
+        <p:spPr>
+          <a:xfrm>
+            <a:off x="311700" y="644550"/>
+            <a:ext cx="8520600" cy="606600"/>
+          </a:xfrm>
+          <a:prstGeom prst="rect">
+            <a:avLst/>
+          </a:prstGeom>
+        </p:spPr>
+        <p:txBody>
+          <a:bodyPr spcFirstLastPara="1" wrap="square" lIns="91425" tIns="91425" rIns="91425" bIns="91425" anchor="b" anchorCtr="0">
+            <a:noAutofit/>
+          </a:bodyPr>
+          <a:lstStyle/>
+          <a:p>
+            <a:pPr marL="0" lvl="0" indent="0" algn="ctr" rtl="0">
+              <a:spcBef>
+                <a:spcPts val="0"/>
+              </a:spcBef>
+              <a:spcAft>
+                <a:spcPts val="0"/>
+              </a:spcAft>
+              <a:buNone/>
+            </a:pPr>
+            <a:r>
+              <a:rPr lang="es" dirty="0"/>
+              <a:t>Metodologia</a:t>
+            </a:r>
+            <a:endParaRPr dirty="0"/>
+          </a:p>
+        </p:txBody>
+      </p:sp>
+      <p:sp>
+        <p:nvSpPr>
+          <p:cNvPr id="276" name="Google Shape;276;p25"/>
+          <p:cNvSpPr txBox="1">
+            <a:spLocks noGrp="1"/>
+          </p:cNvSpPr>
+          <p:nvPr>
+            <p:ph type="subTitle" idx="1"/>
+          </p:nvPr>
+        </p:nvSpPr>
+        <p:spPr>
+          <a:xfrm>
+            <a:off x="391306" y="1547050"/>
+            <a:ext cx="8440994" cy="3196400"/>
+          </a:xfrm>
+          <a:prstGeom prst="rect">
+            <a:avLst/>
+          </a:prstGeom>
+        </p:spPr>
+        <p:txBody>
+          <a:bodyPr spcFirstLastPara="1" wrap="square" lIns="91425" tIns="91425" rIns="91425" bIns="91425" anchor="t" anchorCtr="0">
+            <a:noAutofit/>
+          </a:bodyPr>
+          <a:lstStyle/>
+          <a:p>
+            <a:pPr marL="0" lvl="0" indent="0" algn="l" rtl="0">
+              <a:spcBef>
+                <a:spcPts val="0"/>
+              </a:spcBef>
+              <a:spcAft>
+                <a:spcPts val="0"/>
+              </a:spcAft>
+              <a:buNone/>
+            </a:pPr>
+            <a:r>
+              <a:rPr lang="pt-BR" sz="1200" dirty="0"/>
+              <a:t> O KDD, ou Descoberta de Conhecimento em Bancos de Dados, é um processo sistemático que visa extrair informações úteis e conhecimento significativo a partir de grandes conjuntos de dados. Ele é composto pelas seguintes  etapas:</a:t>
+            </a:r>
+          </a:p>
+          <a:p>
+            <a:pPr marL="0" lvl="0" indent="0" algn="l" rtl="0">
+              <a:spcBef>
+                <a:spcPts val="0"/>
+              </a:spcBef>
+              <a:spcAft>
+                <a:spcPts val="0"/>
+              </a:spcAft>
+              <a:buNone/>
+            </a:pPr>
+            <a:endParaRPr lang="pt-BR" sz="1200" dirty="0"/>
+          </a:p>
+          <a:p>
+            <a:pPr marL="171450" lvl="0" indent="-171450" algn="l" rtl="0">
+              <a:spcBef>
+                <a:spcPts val="0"/>
+              </a:spcBef>
+              <a:spcAft>
+                <a:spcPts val="0"/>
+              </a:spcAft>
+              <a:buFont typeface="Wingdings" panose="05000000000000000000" pitchFamily="2" charset="2"/>
+              <a:buChar char="q"/>
+            </a:pPr>
+            <a:r>
+              <a:rPr lang="pt-BR" sz="1200" dirty="0"/>
+              <a:t>Entendimento do Domínio do Problema</a:t>
+            </a:r>
+          </a:p>
+          <a:p>
+            <a:pPr marL="0" lvl="0" indent="0" algn="l" rtl="0">
+              <a:spcBef>
+                <a:spcPts val="0"/>
+              </a:spcBef>
+              <a:spcAft>
+                <a:spcPts val="0"/>
+              </a:spcAft>
+            </a:pPr>
+            <a:endParaRPr lang="pt-BR" sz="1200" dirty="0"/>
+          </a:p>
+          <a:p>
+            <a:pPr marL="171450" lvl="0" indent="-171450" algn="l" rtl="0">
+              <a:spcBef>
+                <a:spcPts val="0"/>
+              </a:spcBef>
+              <a:spcAft>
+                <a:spcPts val="0"/>
+              </a:spcAft>
+              <a:buFont typeface="Wingdings" panose="05000000000000000000" pitchFamily="2" charset="2"/>
+              <a:buChar char="q"/>
+            </a:pPr>
+            <a:r>
+              <a:rPr lang="pt-BR" sz="1200" dirty="0"/>
+              <a:t>Seleção de Dados</a:t>
+            </a:r>
+          </a:p>
+          <a:p>
+            <a:pPr marL="171450" lvl="0" indent="-171450" algn="l" rtl="0">
+              <a:spcBef>
+                <a:spcPts val="0"/>
+              </a:spcBef>
+              <a:spcAft>
+                <a:spcPts val="0"/>
+              </a:spcAft>
+              <a:buFont typeface="Wingdings" panose="05000000000000000000" pitchFamily="2" charset="2"/>
+              <a:buChar char="q"/>
+            </a:pPr>
+            <a:endParaRPr lang="pt-BR" sz="1200" dirty="0"/>
+          </a:p>
+          <a:p>
+            <a:pPr marL="171450" lvl="0" indent="-171450" algn="l" rtl="0">
+              <a:spcBef>
+                <a:spcPts val="0"/>
+              </a:spcBef>
+              <a:spcAft>
+                <a:spcPts val="0"/>
+              </a:spcAft>
+              <a:buFont typeface="Wingdings" panose="05000000000000000000" pitchFamily="2" charset="2"/>
+              <a:buChar char="q"/>
+            </a:pPr>
+            <a:r>
+              <a:rPr lang="pt-BR" sz="1200" dirty="0"/>
+              <a:t>Pré-processamento de Dados</a:t>
+            </a:r>
+          </a:p>
+          <a:p>
+            <a:pPr marL="171450" lvl="0" indent="-171450" algn="l" rtl="0">
+              <a:spcBef>
+                <a:spcPts val="0"/>
+              </a:spcBef>
+              <a:spcAft>
+                <a:spcPts val="0"/>
+              </a:spcAft>
+              <a:buFont typeface="Wingdings" panose="05000000000000000000" pitchFamily="2" charset="2"/>
+              <a:buChar char="q"/>
+            </a:pPr>
+            <a:endParaRPr lang="pt-BR" sz="1200" dirty="0"/>
+          </a:p>
+          <a:p>
+            <a:pPr marL="171450" lvl="0" indent="-171450" algn="l" rtl="0">
+              <a:spcBef>
+                <a:spcPts val="0"/>
+              </a:spcBef>
+              <a:spcAft>
+                <a:spcPts val="0"/>
+              </a:spcAft>
+              <a:buFont typeface="Wingdings" panose="05000000000000000000" pitchFamily="2" charset="2"/>
+              <a:buChar char="q"/>
+            </a:pPr>
+            <a:r>
+              <a:rPr lang="pt-BR" sz="1200" dirty="0"/>
+              <a:t>Transformação de Dados</a:t>
+            </a:r>
+          </a:p>
+          <a:p>
+            <a:pPr marL="171450" lvl="0" indent="-171450" algn="l" rtl="0">
+              <a:spcBef>
+                <a:spcPts val="0"/>
+              </a:spcBef>
+              <a:spcAft>
+                <a:spcPts val="0"/>
+              </a:spcAft>
+              <a:buFont typeface="Wingdings" panose="05000000000000000000" pitchFamily="2" charset="2"/>
+              <a:buChar char="q"/>
+            </a:pPr>
+            <a:endParaRPr lang="pt-BR" sz="1200" dirty="0"/>
+          </a:p>
+          <a:p>
+            <a:pPr marL="171450" lvl="0" indent="-171450" algn="l" rtl="0">
+              <a:spcBef>
+                <a:spcPts val="0"/>
+              </a:spcBef>
+              <a:spcAft>
+                <a:spcPts val="0"/>
+              </a:spcAft>
+              <a:buFont typeface="Wingdings" panose="05000000000000000000" pitchFamily="2" charset="2"/>
+              <a:buChar char="q"/>
+            </a:pPr>
+            <a:r>
+              <a:rPr lang="pt-BR" sz="1200" dirty="0"/>
+              <a:t>Mineração de Dados</a:t>
+            </a:r>
+          </a:p>
+          <a:p>
+            <a:pPr marL="171450" lvl="0" indent="-171450" algn="l" rtl="0">
+              <a:spcBef>
+                <a:spcPts val="0"/>
+              </a:spcBef>
+              <a:spcAft>
+                <a:spcPts val="0"/>
+              </a:spcAft>
+              <a:buFont typeface="Wingdings" panose="05000000000000000000" pitchFamily="2" charset="2"/>
+              <a:buChar char="q"/>
+            </a:pPr>
+            <a:endParaRPr lang="pt-BR" sz="1200" dirty="0"/>
+          </a:p>
+          <a:p>
+            <a:pPr marL="171450" lvl="0" indent="-171450" algn="l" rtl="0">
+              <a:spcBef>
+                <a:spcPts val="0"/>
+              </a:spcBef>
+              <a:spcAft>
+                <a:spcPts val="0"/>
+              </a:spcAft>
+              <a:buFont typeface="Wingdings" panose="05000000000000000000" pitchFamily="2" charset="2"/>
+              <a:buChar char="q"/>
+            </a:pPr>
+            <a:r>
+              <a:rPr lang="pt-BR" sz="1200" dirty="0"/>
+              <a:t>Avaliação dos Resultados</a:t>
+            </a:r>
+          </a:p>
+          <a:p>
+            <a:pPr marL="171450" lvl="0" indent="-171450" algn="l" rtl="0">
+              <a:spcBef>
+                <a:spcPts val="0"/>
+              </a:spcBef>
+              <a:spcAft>
+                <a:spcPts val="0"/>
+              </a:spcAft>
+              <a:buFont typeface="Wingdings" panose="05000000000000000000" pitchFamily="2" charset="2"/>
+              <a:buChar char="q"/>
+            </a:pPr>
+            <a:endParaRPr lang="pt-BR" sz="1200" dirty="0"/>
+          </a:p>
+          <a:p>
+            <a:pPr marL="171450" lvl="0" indent="-171450" algn="l" rtl="0">
+              <a:spcBef>
+                <a:spcPts val="0"/>
+              </a:spcBef>
+              <a:spcAft>
+                <a:spcPts val="0"/>
+              </a:spcAft>
+              <a:buFont typeface="Wingdings" panose="05000000000000000000" pitchFamily="2" charset="2"/>
+              <a:buChar char="q"/>
+            </a:pPr>
+            <a:r>
+              <a:rPr lang="pt-BR" sz="1200" dirty="0"/>
+              <a:t>Interpretação e Visualização dos Resultados</a:t>
+            </a:r>
+          </a:p>
+        </p:txBody>
+      </p:sp>
+      <p:cxnSp>
+        <p:nvCxnSpPr>
+          <p:cNvPr id="291" name="Google Shape;291;p25"/>
+          <p:cNvCxnSpPr/>
+          <p:nvPr/>
+        </p:nvCxnSpPr>
+        <p:spPr>
+          <a:xfrm>
+            <a:off x="311700" y="1191700"/>
+            <a:ext cx="8520600" cy="0"/>
+          </a:xfrm>
+          <a:prstGeom prst="straightConnector1">
+            <a:avLst/>
+          </a:prstGeom>
+          <a:noFill/>
+          <a:ln w="9525" cap="flat" cmpd="sng">
+            <a:solidFill>
+              <a:schemeClr val="accent1"/>
+            </a:solidFill>
+            <a:prstDash val="solid"/>
+            <a:round/>
+            <a:headEnd type="none" w="med" len="med"/>
+            <a:tailEnd type="none" w="med" len="med"/>
+          </a:ln>
+        </p:spPr>
+      </p:cxnSp>
+    </p:spTree>
+    <p:extLst>
+      <p:ext uri="{BB962C8B-B14F-4D97-AF65-F5344CB8AC3E}">
+        <p14:creationId xmlns:p14="http://schemas.microsoft.com/office/powerpoint/2010/main" val="89934886"/>
+      </p:ext>
+    </p:extLst>
+  </p:cSld>
+  <p:clrMapOvr>
+    <a:masterClrMapping/>
+  </p:clrMapOvr>
+</p:sld>
+</file>
+
 <file path=ppt/slides/slide8.xml><?xml version="1.0" encoding="utf-8"?>
 <p:sld xmlns:a="http://schemas.openxmlformats.org/drawingml/2006/main" xmlns:r="http://schemas.openxmlformats.org/officeDocument/2006/relationships" xmlns:p="http://schemas.openxmlformats.org/presentationml/2006/main">
   <p:cSld>
@@ -29540,10 +30162,10 @@
               <a:buNone/>
             </a:pPr>
             <a:r>
-              <a:rPr lang="es" dirty="0"/>
-              <a:t>Etapas do Projeto</a:t>
+              <a:rPr lang="es" sz="2400" dirty="0"/>
+              <a:t>Etapas do Processo de Extração de Conhecimento</a:t>
             </a:r>
-            <a:endParaRPr dirty="0"/>
+            <a:endParaRPr sz="2400" dirty="0"/>
           </a:p>
         </p:txBody>
       </p:sp>
